--- a/rec_flowchart.pptx
+++ b/rec_flowchart.pptx
@@ -112,16 +112,72 @@
 </p:presentation>
 </file>
 
-<file path=ppt/revisionInfo.xml><?xml version="1.0" encoding="utf-8"?>
-<p1510:revInfo xmlns:a="http://schemas.openxmlformats.org/drawingml/2006/main" xmlns:r="http://schemas.openxmlformats.org/officeDocument/2006/relationships" xmlns:p1510="http://schemas.microsoft.com/office/powerpoint/2015/10/main">
-  <p1510:revLst>
-    <p1510:client id="{3A1B7C63-B7BA-4E24-AD98-E82D972DF35F}" v="15" dt="2023-11-01T03:00:20.895"/>
-  </p1510:revLst>
-</p1510:revInfo>
-</file>
-
 <file path=ppt/changesInfos/changesInfo1.xml><?xml version="1.0" encoding="utf-8"?>
 <pc:chgInfo xmlns:a="http://schemas.openxmlformats.org/drawingml/2006/main" xmlns:r="http://schemas.openxmlformats.org/officeDocument/2006/relationships" xmlns:ac="http://schemas.microsoft.com/office/drawing/2013/main/command" xmlns:pc="http://schemas.microsoft.com/office/powerpoint/2013/main/command">
+  <pc:docChgLst>
+    <pc:chgData name="Robert Thibault" userId="53f41c7bf9ec3dbf" providerId="LiveId" clId="{BB167DBF-DDE2-45D8-B267-C139C493F746}"/>
+    <pc:docChg chg="undo custSel modSld">
+      <pc:chgData name="Robert Thibault" userId="53f41c7bf9ec3dbf" providerId="LiveId" clId="{BB167DBF-DDE2-45D8-B267-C139C493F746}" dt="2023-11-16T22:29:14.292" v="37" actId="20577"/>
+      <pc:docMkLst>
+        <pc:docMk/>
+      </pc:docMkLst>
+      <pc:sldChg chg="modSp mod">
+        <pc:chgData name="Robert Thibault" userId="53f41c7bf9ec3dbf" providerId="LiveId" clId="{BB167DBF-DDE2-45D8-B267-C139C493F746}" dt="2023-11-16T22:29:14.292" v="37" actId="20577"/>
+        <pc:sldMkLst>
+          <pc:docMk/>
+          <pc:sldMk cId="3063595312" sldId="256"/>
+        </pc:sldMkLst>
+        <pc:spChg chg="mod">
+          <ac:chgData name="Robert Thibault" userId="53f41c7bf9ec3dbf" providerId="LiveId" clId="{BB167DBF-DDE2-45D8-B267-C139C493F746}" dt="2023-11-16T22:28:46.556" v="16" actId="20577"/>
+          <ac:spMkLst>
+            <pc:docMk/>
+            <pc:sldMk cId="3063595312" sldId="256"/>
+            <ac:spMk id="3" creationId="{5AAB7945-6821-A5CA-9F21-DC083A00113F}"/>
+          </ac:spMkLst>
+        </pc:spChg>
+        <pc:spChg chg="mod">
+          <ac:chgData name="Robert Thibault" userId="53f41c7bf9ec3dbf" providerId="LiveId" clId="{BB167DBF-DDE2-45D8-B267-C139C493F746}" dt="2023-11-13T19:00:59.878" v="6" actId="1076"/>
+          <ac:spMkLst>
+            <pc:docMk/>
+            <pc:sldMk cId="3063595312" sldId="256"/>
+            <ac:spMk id="25" creationId="{6624C568-9CC6-2234-6DFE-22608C5DBBE1}"/>
+          </ac:spMkLst>
+        </pc:spChg>
+        <pc:spChg chg="mod">
+          <ac:chgData name="Robert Thibault" userId="53f41c7bf9ec3dbf" providerId="LiveId" clId="{BB167DBF-DDE2-45D8-B267-C139C493F746}" dt="2023-11-13T19:00:28.825" v="1" actId="20577"/>
+          <ac:spMkLst>
+            <pc:docMk/>
+            <pc:sldMk cId="3063595312" sldId="256"/>
+            <ac:spMk id="39" creationId="{F8E13854-75D9-EFBA-8140-CAED0EAF381C}"/>
+          </ac:spMkLst>
+        </pc:spChg>
+        <pc:spChg chg="mod">
+          <ac:chgData name="Robert Thibault" userId="53f41c7bf9ec3dbf" providerId="LiveId" clId="{BB167DBF-DDE2-45D8-B267-C139C493F746}" dt="2023-11-16T22:29:14.292" v="37" actId="20577"/>
+          <ac:spMkLst>
+            <pc:docMk/>
+            <pc:sldMk cId="3063595312" sldId="256"/>
+            <ac:spMk id="40" creationId="{D3DA595F-BBCA-A574-1D77-170B3A30F733}"/>
+          </ac:spMkLst>
+        </pc:spChg>
+        <pc:spChg chg="mod">
+          <ac:chgData name="Robert Thibault" userId="53f41c7bf9ec3dbf" providerId="LiveId" clId="{BB167DBF-DDE2-45D8-B267-C139C493F746}" dt="2023-11-16T21:44:31.915" v="12" actId="3064"/>
+          <ac:spMkLst>
+            <pc:docMk/>
+            <pc:sldMk cId="3063595312" sldId="256"/>
+            <ac:spMk id="42" creationId="{DC5FD1F7-8B06-C444-1705-8B6B75E9C4BF}"/>
+          </ac:spMkLst>
+        </pc:spChg>
+        <pc:spChg chg="mod">
+          <ac:chgData name="Robert Thibault" userId="53f41c7bf9ec3dbf" providerId="LiveId" clId="{BB167DBF-DDE2-45D8-B267-C139C493F746}" dt="2023-11-13T19:00:31.118" v="5" actId="20577"/>
+          <ac:spMkLst>
+            <pc:docMk/>
+            <pc:sldMk cId="3063595312" sldId="256"/>
+            <ac:spMk id="107" creationId="{BFF3C551-A1B2-432A-9813-8B40C492DDA5}"/>
+          </ac:spMkLst>
+        </pc:spChg>
+      </pc:sldChg>
+    </pc:docChg>
+  </pc:docChgLst>
   <pc:docChgLst>
     <pc:chgData name="Robert Thibault" userId="53f41c7bf9ec3dbf" providerId="LiveId" clId="{3A1B7C63-B7BA-4E24-AD98-E82D972DF35F}"/>
     <pc:docChg chg="undo custSel modSld">
@@ -784,7 +840,7 @@
           <a:p>
             <a:fld id="{6A9CDD1B-68C4-492A-938A-6BBA0BC00AEC}" type="datetimeFigureOut">
               <a:rPr lang="en-GB" smtClean="0"/>
-              <a:t>09/11/2023</a:t>
+              <a:t>16/11/2023</a:t>
             </a:fld>
             <a:endParaRPr lang="en-GB"/>
           </a:p>
@@ -954,7 +1010,7 @@
           <a:p>
             <a:fld id="{6A9CDD1B-68C4-492A-938A-6BBA0BC00AEC}" type="datetimeFigureOut">
               <a:rPr lang="en-GB" smtClean="0"/>
-              <a:t>09/11/2023</a:t>
+              <a:t>16/11/2023</a:t>
             </a:fld>
             <a:endParaRPr lang="en-GB"/>
           </a:p>
@@ -1134,7 +1190,7 @@
           <a:p>
             <a:fld id="{6A9CDD1B-68C4-492A-938A-6BBA0BC00AEC}" type="datetimeFigureOut">
               <a:rPr lang="en-GB" smtClean="0"/>
-              <a:t>09/11/2023</a:t>
+              <a:t>16/11/2023</a:t>
             </a:fld>
             <a:endParaRPr lang="en-GB"/>
           </a:p>
@@ -1304,7 +1360,7 @@
           <a:p>
             <a:fld id="{6A9CDD1B-68C4-492A-938A-6BBA0BC00AEC}" type="datetimeFigureOut">
               <a:rPr lang="en-GB" smtClean="0"/>
-              <a:t>09/11/2023</a:t>
+              <a:t>16/11/2023</a:t>
             </a:fld>
             <a:endParaRPr lang="en-GB"/>
           </a:p>
@@ -1548,7 +1604,7 @@
           <a:p>
             <a:fld id="{6A9CDD1B-68C4-492A-938A-6BBA0BC00AEC}" type="datetimeFigureOut">
               <a:rPr lang="en-GB" smtClean="0"/>
-              <a:t>09/11/2023</a:t>
+              <a:t>16/11/2023</a:t>
             </a:fld>
             <a:endParaRPr lang="en-GB"/>
           </a:p>
@@ -1780,7 +1836,7 @@
           <a:p>
             <a:fld id="{6A9CDD1B-68C4-492A-938A-6BBA0BC00AEC}" type="datetimeFigureOut">
               <a:rPr lang="en-GB" smtClean="0"/>
-              <a:t>09/11/2023</a:t>
+              <a:t>16/11/2023</a:t>
             </a:fld>
             <a:endParaRPr lang="en-GB"/>
           </a:p>
@@ -2147,7 +2203,7 @@
           <a:p>
             <a:fld id="{6A9CDD1B-68C4-492A-938A-6BBA0BC00AEC}" type="datetimeFigureOut">
               <a:rPr lang="en-GB" smtClean="0"/>
-              <a:t>09/11/2023</a:t>
+              <a:t>16/11/2023</a:t>
             </a:fld>
             <a:endParaRPr lang="en-GB"/>
           </a:p>
@@ -2265,7 +2321,7 @@
           <a:p>
             <a:fld id="{6A9CDD1B-68C4-492A-938A-6BBA0BC00AEC}" type="datetimeFigureOut">
               <a:rPr lang="en-GB" smtClean="0"/>
-              <a:t>09/11/2023</a:t>
+              <a:t>16/11/2023</a:t>
             </a:fld>
             <a:endParaRPr lang="en-GB"/>
           </a:p>
@@ -2360,7 +2416,7 @@
           <a:p>
             <a:fld id="{6A9CDD1B-68C4-492A-938A-6BBA0BC00AEC}" type="datetimeFigureOut">
               <a:rPr lang="en-GB" smtClean="0"/>
-              <a:t>09/11/2023</a:t>
+              <a:t>16/11/2023</a:t>
             </a:fld>
             <a:endParaRPr lang="en-GB"/>
           </a:p>
@@ -2637,7 +2693,7 @@
           <a:p>
             <a:fld id="{6A9CDD1B-68C4-492A-938A-6BBA0BC00AEC}" type="datetimeFigureOut">
               <a:rPr lang="en-GB" smtClean="0"/>
-              <a:t>09/11/2023</a:t>
+              <a:t>16/11/2023</a:t>
             </a:fld>
             <a:endParaRPr lang="en-GB"/>
           </a:p>
@@ -2894,7 +2950,7 @@
           <a:p>
             <a:fld id="{6A9CDD1B-68C4-492A-938A-6BBA0BC00AEC}" type="datetimeFigureOut">
               <a:rPr lang="en-GB" smtClean="0"/>
-              <a:t>09/11/2023</a:t>
+              <a:t>16/11/2023</a:t>
             </a:fld>
             <a:endParaRPr lang="en-GB"/>
           </a:p>
@@ -3107,7 +3163,7 @@
           <a:p>
             <a:fld id="{6A9CDD1B-68C4-492A-938A-6BBA0BC00AEC}" type="datetimeFigureOut">
               <a:rPr lang="en-GB" smtClean="0"/>
-              <a:t>09/11/2023</a:t>
+              <a:t>16/11/2023</a:t>
             </a:fld>
             <a:endParaRPr lang="en-GB"/>
           </a:p>
@@ -3691,7 +3747,7 @@
                 <a:latin typeface="+mj-lt"/>
                 <a:cs typeface="Arial" panose="020B0604020202020204" pitchFamily="34" charset="0"/>
               </a:rPr>
-              <a:t>20</a:t>
+              <a:t>19</a:t>
             </a:r>
             <a:r>
               <a:rPr lang="en-GB" sz="1000" dirty="0">
@@ -3771,7 +3827,7 @@
                 <a:latin typeface="+mj-lt"/>
                 <a:cs typeface="Arial" panose="020B0604020202020204" pitchFamily="34" charset="0"/>
               </a:rPr>
-              <a:t>17</a:t>
+              <a:t>16</a:t>
             </a:r>
             <a:r>
               <a:rPr lang="en-GB" sz="1000" u="sng" dirty="0">
@@ -3859,7 +3915,7 @@
                 <a:latin typeface="+mj-lt"/>
                 <a:cs typeface="Arial" panose="020B0604020202020204" pitchFamily="34" charset="0"/>
               </a:rPr>
-              <a:t>6</a:t>
+              <a:t>5</a:t>
             </a:r>
             <a:r>
               <a:rPr lang="en-GB" sz="1000" dirty="0">
@@ -3932,7 +3988,7 @@
         </p:nvSpPr>
         <p:spPr>
           <a:xfrm>
-            <a:off x="134815" y="3399803"/>
+            <a:off x="185614" y="3406412"/>
             <a:ext cx="2474318" cy="894349"/>
           </a:xfrm>
           <a:prstGeom prst="rect">
@@ -4393,7 +4449,7 @@
                 <a:latin typeface="+mj-lt"/>
                 <a:cs typeface="Arial" panose="020B0604020202020204" pitchFamily="34" charset="0"/>
               </a:rPr>
-              <a:t>15</a:t>
+              <a:t>14</a:t>
             </a:r>
             <a:r>
               <a:rPr lang="en-GB" sz="1000" dirty="0">
@@ -4539,7 +4595,7 @@
                 <a:latin typeface="+mj-lt"/>
                 <a:cs typeface="Arial" panose="020B0604020202020204" pitchFamily="34" charset="0"/>
               </a:rPr>
-              <a:t>4</a:t>
+              <a:t>3</a:t>
             </a:r>
             <a:r>
               <a:rPr lang="en-GB" sz="1000" dirty="0">
@@ -4551,6 +4607,35 @@
               </a:rPr>
               <a:t> declined to share</a:t>
             </a:r>
+          </a:p>
+          <a:p>
+            <a:r>
+              <a:rPr lang="en-GB" sz="1000" b="1" dirty="0">
+                <a:solidFill>
+                  <a:schemeClr val="tx1"/>
+                </a:solidFill>
+                <a:latin typeface="+mj-lt"/>
+                <a:cs typeface="Arial" panose="020B0604020202020204" pitchFamily="34" charset="0"/>
+              </a:rPr>
+              <a:t>1 </a:t>
+            </a:r>
+            <a:r>
+              <a:rPr lang="en-GB" sz="1000">
+                <a:solidFill>
+                  <a:schemeClr val="tx1"/>
+                </a:solidFill>
+                <a:latin typeface="+mj-lt"/>
+                <a:cs typeface="Arial" panose="020B0604020202020204" pitchFamily="34" charset="0"/>
+              </a:rPr>
+              <a:t>no response</a:t>
+            </a:r>
+            <a:endParaRPr lang="en-GB" sz="1000" b="1" dirty="0">
+              <a:solidFill>
+                <a:schemeClr val="tx1"/>
+              </a:solidFill>
+              <a:latin typeface="+mj-lt"/>
+              <a:cs typeface="Arial" panose="020B0604020202020204" pitchFamily="34" charset="0"/>
+            </a:endParaRPr>
           </a:p>
         </p:txBody>
       </p:sp>
@@ -4647,7 +4732,7 @@
           </a:fontRef>
         </p:style>
         <p:txBody>
-          <a:bodyPr rtlCol="0" anchor="ctr"/>
+          <a:bodyPr rIns="45720" rtlCol="0" anchor="ctr"/>
           <a:lstStyle/>
           <a:p>
             <a:pPr>
@@ -4759,7 +4844,7 @@
                 <a:latin typeface="+mj-lt"/>
                 <a:cs typeface="Arial" panose="020B0604020202020204" pitchFamily="34" charset="0"/>
               </a:rPr>
-              <a:t> directly request a sample size </a:t>
+              <a:t> directly requests a sample size </a:t>
             </a:r>
             <a:r>
               <a:rPr lang="en-GB" sz="1000" u="sng" dirty="0">
@@ -4791,7 +4876,7 @@
                 <a:latin typeface="+mj-lt"/>
                 <a:cs typeface="Arial" panose="020B0604020202020204" pitchFamily="34" charset="0"/>
               </a:rPr>
-              <a:t> indirectly request a sample size </a:t>
+              <a:t> indirectly requests a sample size </a:t>
             </a:r>
             <a:r>
               <a:rPr lang="en-GB" sz="1000" u="sng" dirty="0">
